--- a/images/Logos.pptx
+++ b/images/Logos.pptx
@@ -8,6 +8,7 @@
     <p:sldId id="260" r:id="rId2"/>
     <p:sldId id="258" r:id="rId3"/>
     <p:sldId id="262" r:id="rId4"/>
+    <p:sldId id="263" r:id="rId5"/>
   </p:sldIdLst>
   <p:sldSz cx="12192000" cy="6858000"/>
   <p:notesSz cx="6858000" cy="9144000"/>
@@ -261,7 +262,7 @@
           <a:p>
             <a:fld id="{CFA7E1E1-1AED-45C9-ACD5-3100DF9D7791}" type="datetimeFigureOut">
               <a:rPr lang="en-US" smtClean="0"/>
-              <a:t>4/9/2024</a:t>
+              <a:t>4/11/2024</a:t>
             </a:fld>
             <a:endParaRPr lang="en-US"/>
           </a:p>
@@ -459,7 +460,7 @@
           <a:p>
             <a:fld id="{CFA7E1E1-1AED-45C9-ACD5-3100DF9D7791}" type="datetimeFigureOut">
               <a:rPr lang="en-US" smtClean="0"/>
-              <a:t>4/9/2024</a:t>
+              <a:t>4/11/2024</a:t>
             </a:fld>
             <a:endParaRPr lang="en-US"/>
           </a:p>
@@ -667,7 +668,7 @@
           <a:p>
             <a:fld id="{CFA7E1E1-1AED-45C9-ACD5-3100DF9D7791}" type="datetimeFigureOut">
               <a:rPr lang="en-US" smtClean="0"/>
-              <a:t>4/9/2024</a:t>
+              <a:t>4/11/2024</a:t>
             </a:fld>
             <a:endParaRPr lang="en-US"/>
           </a:p>
@@ -865,7 +866,7 @@
           <a:p>
             <a:fld id="{CFA7E1E1-1AED-45C9-ACD5-3100DF9D7791}" type="datetimeFigureOut">
               <a:rPr lang="en-US" smtClean="0"/>
-              <a:t>4/9/2024</a:t>
+              <a:t>4/11/2024</a:t>
             </a:fld>
             <a:endParaRPr lang="en-US"/>
           </a:p>
@@ -1140,7 +1141,7 @@
           <a:p>
             <a:fld id="{CFA7E1E1-1AED-45C9-ACD5-3100DF9D7791}" type="datetimeFigureOut">
               <a:rPr lang="en-US" smtClean="0"/>
-              <a:t>4/9/2024</a:t>
+              <a:t>4/11/2024</a:t>
             </a:fld>
             <a:endParaRPr lang="en-US"/>
           </a:p>
@@ -1405,7 +1406,7 @@
           <a:p>
             <a:fld id="{CFA7E1E1-1AED-45C9-ACD5-3100DF9D7791}" type="datetimeFigureOut">
               <a:rPr lang="en-US" smtClean="0"/>
-              <a:t>4/9/2024</a:t>
+              <a:t>4/11/2024</a:t>
             </a:fld>
             <a:endParaRPr lang="en-US"/>
           </a:p>
@@ -1817,7 +1818,7 @@
           <a:p>
             <a:fld id="{CFA7E1E1-1AED-45C9-ACD5-3100DF9D7791}" type="datetimeFigureOut">
               <a:rPr lang="en-US" smtClean="0"/>
-              <a:t>4/9/2024</a:t>
+              <a:t>4/11/2024</a:t>
             </a:fld>
             <a:endParaRPr lang="en-US"/>
           </a:p>
@@ -1958,7 +1959,7 @@
           <a:p>
             <a:fld id="{CFA7E1E1-1AED-45C9-ACD5-3100DF9D7791}" type="datetimeFigureOut">
               <a:rPr lang="en-US" smtClean="0"/>
-              <a:t>4/9/2024</a:t>
+              <a:t>4/11/2024</a:t>
             </a:fld>
             <a:endParaRPr lang="en-US"/>
           </a:p>
@@ -2071,7 +2072,7 @@
           <a:p>
             <a:fld id="{CFA7E1E1-1AED-45C9-ACD5-3100DF9D7791}" type="datetimeFigureOut">
               <a:rPr lang="en-US" smtClean="0"/>
-              <a:t>4/9/2024</a:t>
+              <a:t>4/11/2024</a:t>
             </a:fld>
             <a:endParaRPr lang="en-US"/>
           </a:p>
@@ -2382,7 +2383,7 @@
           <a:p>
             <a:fld id="{CFA7E1E1-1AED-45C9-ACD5-3100DF9D7791}" type="datetimeFigureOut">
               <a:rPr lang="en-US" smtClean="0"/>
-              <a:t>4/9/2024</a:t>
+              <a:t>4/11/2024</a:t>
             </a:fld>
             <a:endParaRPr lang="en-US"/>
           </a:p>
@@ -2670,7 +2671,7 @@
           <a:p>
             <a:fld id="{CFA7E1E1-1AED-45C9-ACD5-3100DF9D7791}" type="datetimeFigureOut">
               <a:rPr lang="en-US" smtClean="0"/>
-              <a:t>4/9/2024</a:t>
+              <a:t>4/11/2024</a:t>
             </a:fld>
             <a:endParaRPr lang="en-US"/>
           </a:p>
@@ -2916,7 +2917,7 @@
           <a:p>
             <a:fld id="{CFA7E1E1-1AED-45C9-ACD5-3100DF9D7791}" type="datetimeFigureOut">
               <a:rPr lang="en-US" smtClean="0"/>
-              <a:t>4/9/2024</a:t>
+              <a:t>4/11/2024</a:t>
             </a:fld>
             <a:endParaRPr lang="en-US"/>
           </a:p>
@@ -3540,7 +3541,7 @@
                 <a:latin typeface="Berlin Sans FB Demi" panose="020E0802020502020306" pitchFamily="34" charset="0"/>
                 <a:cs typeface="Aharoni" panose="02010803020104030203" pitchFamily="2" charset="-79"/>
               </a:rPr>
-              <a:t>F </a:t>
+              <a:t>G </a:t>
             </a:r>
             <a:r>
               <a:rPr lang="en-US" sz="28800" dirty="0">
@@ -3787,6 +3788,128 @@
     <p:extLst>
       <p:ext uri="{BB962C8B-B14F-4D97-AF65-F5344CB8AC3E}">
         <p14:creationId xmlns:p14="http://schemas.microsoft.com/office/powerpoint/2010/main" val="343718957"/>
+      </p:ext>
+    </p:extLst>
+  </p:cSld>
+  <p:clrMapOvr>
+    <a:masterClrMapping/>
+  </p:clrMapOvr>
+</p:sld>
+</file>
+
+<file path=ppt/slides/slide4.xml><?xml version="1.0" encoding="utf-8"?>
+<p:sld xmlns:a="http://schemas.openxmlformats.org/drawingml/2006/main" xmlns:r="http://schemas.openxmlformats.org/officeDocument/2006/relationships" xmlns:p="http://schemas.openxmlformats.org/presentationml/2006/main">
+  <p:cSld>
+    <p:spTree>
+      <p:nvGrpSpPr>
+        <p:cNvPr id="1" name=""/>
+        <p:cNvGrpSpPr/>
+        <p:nvPr/>
+      </p:nvGrpSpPr>
+      <p:grpSpPr>
+        <a:xfrm>
+          <a:off x="0" y="0"/>
+          <a:ext cx="0" cy="0"/>
+          <a:chOff x="0" y="0"/>
+          <a:chExt cx="0" cy="0"/>
+        </a:xfrm>
+      </p:grpSpPr>
+      <p:sp>
+        <p:nvSpPr>
+          <p:cNvPr id="2" name="Title 1">
+            <a:extLst>
+              <a:ext uri="{FF2B5EF4-FFF2-40B4-BE49-F238E27FC236}">
+                <a16:creationId xmlns:a16="http://schemas.microsoft.com/office/drawing/2014/main" id="{A4B786DF-5E12-5ECA-0FB2-4BA1F23141C6}"/>
+              </a:ext>
+            </a:extLst>
+          </p:cNvPr>
+          <p:cNvSpPr>
+            <a:spLocks noGrp="1"/>
+          </p:cNvSpPr>
+          <p:nvPr>
+            <p:ph type="title"/>
+          </p:nvPr>
+        </p:nvSpPr>
+        <p:spPr/>
+        <p:txBody>
+          <a:bodyPr/>
+          <a:lstStyle/>
+          <a:p>
+            <a:endParaRPr lang="en-US"/>
+          </a:p>
+        </p:txBody>
+      </p:sp>
+      <p:sp>
+        <p:nvSpPr>
+          <p:cNvPr id="3" name="Content Placeholder 2">
+            <a:extLst>
+              <a:ext uri="{FF2B5EF4-FFF2-40B4-BE49-F238E27FC236}">
+                <a16:creationId xmlns:a16="http://schemas.microsoft.com/office/drawing/2014/main" id="{3B34D7FF-E680-C742-746B-29255B8CF8DD}"/>
+              </a:ext>
+            </a:extLst>
+          </p:cNvPr>
+          <p:cNvSpPr>
+            <a:spLocks noGrp="1"/>
+          </p:cNvSpPr>
+          <p:nvPr>
+            <p:ph idx="1"/>
+          </p:nvPr>
+        </p:nvSpPr>
+        <p:spPr/>
+        <p:txBody>
+          <a:bodyPr/>
+          <a:lstStyle/>
+          <a:p>
+            <a:endParaRPr lang="en-US"/>
+          </a:p>
+        </p:txBody>
+      </p:sp>
+      <p:sp>
+        <p:nvSpPr>
+          <p:cNvPr id="5" name="TextBox 4">
+            <a:extLst>
+              <a:ext uri="{FF2B5EF4-FFF2-40B4-BE49-F238E27FC236}">
+                <a16:creationId xmlns:a16="http://schemas.microsoft.com/office/drawing/2014/main" id="{978F7966-632B-CC1E-D6B8-7BF82E65BDA8}"/>
+              </a:ext>
+            </a:extLst>
+          </p:cNvPr>
+          <p:cNvSpPr txBox="1"/>
+          <p:nvPr/>
+        </p:nvSpPr>
+        <p:spPr>
+          <a:xfrm>
+            <a:off x="4060371" y="610136"/>
+            <a:ext cx="1055914" cy="6247864"/>
+          </a:xfrm>
+          <a:prstGeom prst="rect">
+            <a:avLst/>
+          </a:prstGeom>
+          <a:noFill/>
+        </p:spPr>
+        <p:txBody>
+          <a:bodyPr wrap="square">
+            <a:spAutoFit/>
+          </a:bodyPr>
+          <a:lstStyle/>
+          <a:p>
+            <a:r>
+              <a:rPr lang="en-US" sz="40000" dirty="0">
+                <a:solidFill>
+                  <a:srgbClr val="1E3A79"/>
+                </a:solidFill>
+                <a:latin typeface="Berlin Sans FB Demi" panose="020E0802020502020306" pitchFamily="34" charset="0"/>
+                <a:cs typeface="Aharoni" panose="02010803020104030203" pitchFamily="2" charset="-79"/>
+              </a:rPr>
+              <a:t>G</a:t>
+            </a:r>
+            <a:endParaRPr lang="en-US" sz="40000" dirty="0"/>
+          </a:p>
+        </p:txBody>
+      </p:sp>
+    </p:spTree>
+    <p:extLst>
+      <p:ext uri="{BB962C8B-B14F-4D97-AF65-F5344CB8AC3E}">
+        <p14:creationId xmlns:p14="http://schemas.microsoft.com/office/powerpoint/2010/main" val="2670814087"/>
       </p:ext>
     </p:extLst>
   </p:cSld>
